--- a/3SEM/ISO100 - Sistemas Operacionais I/Trabalho/SISTEMAS OPERACIONAIS I - LINUX.pptx
+++ b/3SEM/ISO100 - Sistemas Operacionais I/Trabalho/SISTEMAS OPERACIONAIS I - LINUX.pptx
@@ -5,10 +5,10 @@
     <p:sldMasterId id="2147483648" r:id="rId4"/>
   </p:sldMasterIdLst>
   <p:notesMasterIdLst>
-    <p:notesMasterId r:id="rId13"/>
+    <p:notesMasterId r:id="rId14"/>
   </p:notesMasterIdLst>
   <p:handoutMasterIdLst>
-    <p:handoutMasterId r:id="rId14"/>
+    <p:handoutMasterId r:id="rId15"/>
   </p:handoutMasterIdLst>
   <p:sldIdLst>
     <p:sldId id="267" r:id="rId5"/>
@@ -18,7 +18,8 @@
     <p:sldId id="271" r:id="rId9"/>
     <p:sldId id="274" r:id="rId10"/>
     <p:sldId id="272" r:id="rId11"/>
-    <p:sldId id="273" r:id="rId12"/>
+    <p:sldId id="275" r:id="rId12"/>
+    <p:sldId id="273" r:id="rId13"/>
   </p:sldIdLst>
   <p:sldSz cx="12192000" cy="6858000"/>
   <p:notesSz cx="6858000" cy="9144000"/>
@@ -1372,7 +1373,7 @@
         <a:fontRef idx="minor"/>
       </dsp:style>
       <dsp:txBody>
-        <a:bodyPr spcFirstLastPara="0" vert="horz" wrap="square" lIns="87630" tIns="87630" rIns="87630" bIns="87630" numCol="1" spcCol="1270" rtlCol="0" anchor="t" anchorCtr="0">
+        <a:bodyPr spcFirstLastPara="0" vert="horz" wrap="square" lIns="87630" tIns="87630" rIns="87630" bIns="87630" numCol="1" spcCol="1270" anchor="t" anchorCtr="0">
           <a:noAutofit/>
         </a:bodyPr>
         <a:lstStyle/>
@@ -1590,7 +1591,7 @@
         <a:fontRef idx="minor"/>
       </dsp:style>
       <dsp:txBody>
-        <a:bodyPr spcFirstLastPara="0" vert="horz" wrap="square" lIns="87630" tIns="87630" rIns="87630" bIns="87630" numCol="1" spcCol="1270" rtlCol="0" anchor="t" anchorCtr="0">
+        <a:bodyPr spcFirstLastPara="0" vert="horz" wrap="square" lIns="87630" tIns="87630" rIns="87630" bIns="87630" numCol="1" spcCol="1270" anchor="t" anchorCtr="0">
           <a:noAutofit/>
         </a:bodyPr>
         <a:lstStyle/>
@@ -1917,7 +1918,7 @@
         <a:fontRef idx="minor"/>
       </dsp:style>
       <dsp:txBody>
-        <a:bodyPr spcFirstLastPara="0" vert="horz" wrap="square" lIns="87630" tIns="87630" rIns="87630" bIns="87630" numCol="1" spcCol="1270" rtlCol="0" anchor="t" anchorCtr="0">
+        <a:bodyPr spcFirstLastPara="0" vert="horz" wrap="square" lIns="87630" tIns="87630" rIns="87630" bIns="87630" numCol="1" spcCol="1270" anchor="t" anchorCtr="0">
           <a:noAutofit/>
         </a:bodyPr>
         <a:lstStyle/>
@@ -8343,7 +8344,7 @@
             </a:r>
             <a:r>
               <a:rPr lang="pt-BR" sz="1800" dirty="0"/>
-              <a:t> Fernando Geraldo dos Santos	RA: 1110481823051</a:t>
+              <a:t> Fernando Geraldo 		RA: 1110481823051</a:t>
             </a:r>
           </a:p>
           <a:p>
@@ -9590,8 +9591,8 @@
         </p:blipFill>
         <p:spPr bwMode="auto">
           <a:xfrm>
-            <a:off x="980925" y="1621922"/>
-            <a:ext cx="5426783" cy="4235953"/>
+            <a:off x="1053097" y="1803323"/>
+            <a:ext cx="5042903" cy="3936310"/>
           </a:xfrm>
           <a:prstGeom prst="rect">
             <a:avLst/>
@@ -9608,6 +9609,49 @@
           </a:extLst>
         </p:spPr>
       </p:pic>
+      <p:sp>
+        <p:nvSpPr>
+          <p:cNvPr id="4" name="CaixaDeTexto 3">
+            <a:extLst>
+              <a:ext uri="{FF2B5EF4-FFF2-40B4-BE49-F238E27FC236}">
+                <a16:creationId xmlns:a16="http://schemas.microsoft.com/office/drawing/2014/main" id="{5700CC9B-E7FA-433D-A7CA-16071751091A}"/>
+              </a:ext>
+            </a:extLst>
+          </p:cNvPr>
+          <p:cNvSpPr txBox="1"/>
+          <p:nvPr/>
+        </p:nvSpPr>
+        <p:spPr>
+          <a:xfrm>
+            <a:off x="1053097" y="5810654"/>
+            <a:ext cx="9298508" cy="338554"/>
+          </a:xfrm>
+          <a:prstGeom prst="rect">
+            <a:avLst/>
+          </a:prstGeom>
+          <a:noFill/>
+        </p:spPr>
+        <p:txBody>
+          <a:bodyPr wrap="none" rtlCol="0">
+            <a:spAutoFit/>
+          </a:bodyPr>
+          <a:lstStyle/>
+          <a:p>
+            <a:r>
+              <a:rPr lang="pt-BR" sz="1600" i="1" dirty="0"/>
+              <a:t>Figura : </a:t>
+            </a:r>
+            <a:r>
+              <a:rPr lang="pt-BR" sz="1600" b="1" i="1" dirty="0"/>
+              <a:t>Kernel Linux</a:t>
+            </a:r>
+            <a:r>
+              <a:rPr lang="pt-BR" sz="1600" i="1" dirty="0"/>
+              <a:t>. Disponível em: https://www.ibm.com/developerworks/br/library/l-linux-kernel/index.html </a:t>
+            </a:r>
+          </a:p>
+        </p:txBody>
+      </p:sp>
     </p:spTree>
     <p:extLst>
       <p:ext uri="{BB962C8B-B14F-4D97-AF65-F5344CB8AC3E}">
@@ -9719,6 +9763,103 @@
 </file>
 
 <file path=ppt/slides/slide8.xml><?xml version="1.0" encoding="utf-8"?>
+<p:sld xmlns:a="http://schemas.openxmlformats.org/drawingml/2006/main" xmlns:r="http://schemas.openxmlformats.org/officeDocument/2006/relationships" xmlns:p="http://schemas.openxmlformats.org/presentationml/2006/main">
+  <p:cSld>
+    <p:spTree>
+      <p:nvGrpSpPr>
+        <p:cNvPr id="1" name=""/>
+        <p:cNvGrpSpPr/>
+        <p:nvPr/>
+      </p:nvGrpSpPr>
+      <p:grpSpPr>
+        <a:xfrm>
+          <a:off x="0" y="0"/>
+          <a:ext cx="0" cy="0"/>
+          <a:chOff x="0" y="0"/>
+          <a:chExt cx="0" cy="0"/>
+        </a:xfrm>
+      </p:grpSpPr>
+      <p:sp>
+        <p:nvSpPr>
+          <p:cNvPr id="2" name="Título 1">
+            <a:extLst>
+              <a:ext uri="{FF2B5EF4-FFF2-40B4-BE49-F238E27FC236}">
+                <a16:creationId xmlns:a16="http://schemas.microsoft.com/office/drawing/2014/main" id="{AF4CB356-F4A2-4D82-97D8-0F5500FE5E17}"/>
+              </a:ext>
+            </a:extLst>
+          </p:cNvPr>
+          <p:cNvSpPr>
+            <a:spLocks noGrp="1"/>
+          </p:cNvSpPr>
+          <p:nvPr>
+            <p:ph type="title"/>
+          </p:nvPr>
+        </p:nvSpPr>
+        <p:spPr/>
+        <p:txBody>
+          <a:bodyPr>
+            <a:normAutofit/>
+          </a:bodyPr>
+          <a:lstStyle/>
+          <a:p>
+            <a:r>
+              <a:rPr lang="pt-BR" sz="2000" dirty="0" err="1">
+                <a:latin typeface="+mn-lt"/>
+              </a:rPr>
+              <a:t>nunununununununununun</a:t>
+            </a:r>
+            <a:endParaRPr lang="pt-BR" sz="2000" dirty="0">
+              <a:latin typeface="+mn-lt"/>
+            </a:endParaRPr>
+          </a:p>
+        </p:txBody>
+      </p:sp>
+      <p:sp>
+        <p:nvSpPr>
+          <p:cNvPr id="3" name="Espaço Reservado para Texto 2">
+            <a:extLst>
+              <a:ext uri="{FF2B5EF4-FFF2-40B4-BE49-F238E27FC236}">
+                <a16:creationId xmlns:a16="http://schemas.microsoft.com/office/drawing/2014/main" id="{2812E65D-DF78-4AD3-A807-8A75F4672B27}"/>
+              </a:ext>
+            </a:extLst>
+          </p:cNvPr>
+          <p:cNvSpPr>
+            <a:spLocks noGrp="1"/>
+          </p:cNvSpPr>
+          <p:nvPr>
+            <p:ph type="body" idx="1"/>
+          </p:nvPr>
+        </p:nvSpPr>
+        <p:spPr/>
+        <p:txBody>
+          <a:bodyPr>
+            <a:normAutofit/>
+          </a:bodyPr>
+          <a:lstStyle/>
+          <a:p>
+            <a:r>
+              <a:rPr lang="pt-BR" sz="4000" dirty="0">
+                <a:latin typeface="+mj-lt"/>
+              </a:rPr>
+              <a:t>Sistemas de arquivos</a:t>
+            </a:r>
+          </a:p>
+        </p:txBody>
+      </p:sp>
+    </p:spTree>
+    <p:extLst>
+      <p:ext uri="{BB962C8B-B14F-4D97-AF65-F5344CB8AC3E}">
+        <p14:creationId xmlns:p14="http://schemas.microsoft.com/office/powerpoint/2010/main" val="2100605839"/>
+      </p:ext>
+    </p:extLst>
+  </p:cSld>
+  <p:clrMapOvr>
+    <a:masterClrMapping/>
+  </p:clrMapOvr>
+</p:sld>
+</file>
+
+<file path=ppt/slides/slide9.xml><?xml version="1.0" encoding="utf-8"?>
 <p:sld xmlns:a="http://schemas.openxmlformats.org/drawingml/2006/main" xmlns:r="http://schemas.openxmlformats.org/officeDocument/2006/relationships" xmlns:p="http://schemas.openxmlformats.org/presentationml/2006/main">
   <p:cSld>
     <p:spTree>
@@ -10619,6 +10760,23 @@
 </file>
 
 <file path=customXml/item1.xml><?xml version="1.0" encoding="utf-8"?>
+<?mso-contentType ?>
+<FormTemplates xmlns="http://schemas.microsoft.com/sharepoint/v3/contenttype/forms">
+  <Display>DocumentLibraryForm</Display>
+  <Edit>DocumentLibraryForm</Edit>
+  <New>DocumentLibraryForm</New>
+</FormTemplates>
+</file>
+
+<file path=customXml/item2.xml><?xml version="1.0" encoding="utf-8"?>
+<p:properties xmlns:p="http://schemas.microsoft.com/office/2006/metadata/properties" xmlns:xsi="http://www.w3.org/2001/XMLSchema-instance" xmlns:pc="http://schemas.microsoft.com/office/infopath/2007/PartnerControls">
+  <documentManagement>
+    <MediaServiceKeyPoints xmlns="71af3243-3dd4-4a8d-8c0d-dd76da1f02a5" xsi:nil="true"/>
+  </documentManagement>
+</p:properties>
+</file>
+
+<file path=customXml/item3.xml><?xml version="1.0" encoding="utf-8"?>
 <ct:contentTypeSchema xmlns:ct="http://schemas.microsoft.com/office/2006/metadata/contentType" xmlns:ma="http://schemas.microsoft.com/office/2006/metadata/properties/metaAttributes" ct:_="" ma:_="" ma:contentTypeName="Document" ma:contentTypeID="0x01010079F111ED35F8CC479449609E8A0923A6" ma:contentTypeVersion="11" ma:contentTypeDescription="Create a new document." ma:contentTypeScope="" ma:versionID="9677210f24a1be23c92c90fd886aa0aa">
   <xsd:schema xmlns:xsd="http://www.w3.org/2001/XMLSchema" xmlns:xs="http://www.w3.org/2001/XMLSchema" xmlns:p="http://schemas.microsoft.com/office/2006/metadata/properties" xmlns:ns2="71af3243-3dd4-4a8d-8c0d-dd76da1f02a5" xmlns:ns3="16c05727-aa75-4e4a-9b5f-8a80a1165891" targetNamespace="http://schemas.microsoft.com/office/2006/metadata/properties" ma:root="true" ma:fieldsID="60e05723c5c1908df1a1a4ebf11d344e" ns2:_="" ns3:_="">
     <xsd:import namespace="71af3243-3dd4-4a8d-8c0d-dd76da1f02a5"/>
@@ -10829,24 +10987,25 @@
 </ct:contentTypeSchema>
 </file>
 
-<file path=customXml/item2.xml><?xml version="1.0" encoding="utf-8"?>
-<p:properties xmlns:p="http://schemas.microsoft.com/office/2006/metadata/properties" xmlns:xsi="http://www.w3.org/2001/XMLSchema-instance" xmlns:pc="http://schemas.microsoft.com/office/infopath/2007/PartnerControls">
-  <documentManagement>
-    <MediaServiceKeyPoints xmlns="71af3243-3dd4-4a8d-8c0d-dd76da1f02a5" xsi:nil="true"/>
-  </documentManagement>
-</p:properties>
+<file path=customXml/itemProps1.xml><?xml version="1.0" encoding="utf-8"?>
+<ds:datastoreItem xmlns:ds="http://schemas.openxmlformats.org/officeDocument/2006/customXml" ds:itemID="{5E37D0EA-FE7E-4E9C-9357-7A88A33B427C}">
+  <ds:schemaRefs>
+    <ds:schemaRef ds:uri="http://schemas.microsoft.com/sharepoint/v3/contenttype/forms"/>
+  </ds:schemaRefs>
+</ds:datastoreItem>
 </file>
 
-<file path=customXml/item3.xml><?xml version="1.0" encoding="utf-8"?>
-<?mso-contentType ?>
-<FormTemplates xmlns="http://schemas.microsoft.com/sharepoint/v3/contenttype/forms">
-  <Display>DocumentLibraryForm</Display>
-  <Edit>DocumentLibraryForm</Edit>
-  <New>DocumentLibraryForm</New>
-</FormTemplates>
+<file path=customXml/itemProps2.xml><?xml version="1.0" encoding="utf-8"?>
+<ds:datastoreItem xmlns:ds="http://schemas.openxmlformats.org/officeDocument/2006/customXml" ds:itemID="{ACCBBD45-8B40-43D7-9EDE-9F29D8BA8013}">
+  <ds:schemaRefs>
+    <ds:schemaRef ds:uri="http://schemas.microsoft.com/office/2006/metadata/properties"/>
+    <ds:schemaRef ds:uri="http://schemas.microsoft.com/office/infopath/2007/PartnerControls"/>
+    <ds:schemaRef ds:uri="71af3243-3dd4-4a8d-8c0d-dd76da1f02a5"/>
+  </ds:schemaRefs>
+</ds:datastoreItem>
 </file>
 
-<file path=customXml/itemProps1.xml><?xml version="1.0" encoding="utf-8"?>
+<file path=customXml/itemProps3.xml><?xml version="1.0" encoding="utf-8"?>
 <ds:datastoreItem xmlns:ds="http://schemas.openxmlformats.org/officeDocument/2006/customXml" ds:itemID="{45F677CF-1C0A-4204-9388-FE47755154C5}">
   <ds:schemaRefs>
     <ds:schemaRef ds:uri="http://schemas.microsoft.com/office/2006/metadata/contentType"/>
@@ -10863,22 +11022,4 @@
     <ds:schemaRef ds:uri="http://schemas.microsoft.com/internal/obd"/>
   </ds:schemaRefs>
 </ds:datastoreItem>
-</file>
-
-<file path=customXml/itemProps2.xml><?xml version="1.0" encoding="utf-8"?>
-<ds:datastoreItem xmlns:ds="http://schemas.openxmlformats.org/officeDocument/2006/customXml" ds:itemID="{ACCBBD45-8B40-43D7-9EDE-9F29D8BA8013}">
-  <ds:schemaRefs>
-    <ds:schemaRef ds:uri="http://schemas.microsoft.com/office/2006/metadata/properties"/>
-    <ds:schemaRef ds:uri="http://schemas.microsoft.com/office/infopath/2007/PartnerControls"/>
-    <ds:schemaRef ds:uri="71af3243-3dd4-4a8d-8c0d-dd76da1f02a5"/>
-  </ds:schemaRefs>
-</ds:datastoreItem>
-</file>
-
-<file path=customXml/itemProps3.xml><?xml version="1.0" encoding="utf-8"?>
-<ds:datastoreItem xmlns:ds="http://schemas.openxmlformats.org/officeDocument/2006/customXml" ds:itemID="{5E37D0EA-FE7E-4E9C-9357-7A88A33B427C}">
-  <ds:schemaRefs>
-    <ds:schemaRef ds:uri="http://schemas.microsoft.com/sharepoint/v3/contenttype/forms"/>
-  </ds:schemaRefs>
-</ds:datastoreItem>
 </file>